--- a/deliverables/GROUP 9.pptx
+++ b/deliverables/GROUP 9.pptx
@@ -139,7 +139,7 @@
           <p:cNvPr id="2" name="Title 1">
             <a:extLst>
               <a:ext uri="{FF2B5EF4-FFF2-40B4-BE49-F238E27FC236}">
-                <a16:creationId xmlns:a16="http://schemas.microsoft.com/office/drawing/2014/main" id="{4DF3EF96-4A59-4808-8E0B-0A96C9F93B3C}"/>
+                <a16:creationId xmlns:a16="http://schemas.microsoft.com/office/drawing/2014/main" xmlns="" id="{4DF3EF96-4A59-4808-8E0B-0A96C9F93B3C}"/>
               </a:ext>
             </a:extLst>
           </p:cNvPr>
@@ -176,7 +176,7 @@
           <p:cNvPr id="3" name="Subtitle 2">
             <a:extLst>
               <a:ext uri="{FF2B5EF4-FFF2-40B4-BE49-F238E27FC236}">
-                <a16:creationId xmlns:a16="http://schemas.microsoft.com/office/drawing/2014/main" id="{C43591AB-34CC-4D9D-8EAA-D2E3FBBFBD34}"/>
+                <a16:creationId xmlns:a16="http://schemas.microsoft.com/office/drawing/2014/main" xmlns="" id="{C43591AB-34CC-4D9D-8EAA-D2E3FBBFBD34}"/>
               </a:ext>
             </a:extLst>
           </p:cNvPr>
@@ -246,7 +246,7 @@
           <p:cNvPr id="4" name="Date Placeholder 3">
             <a:extLst>
               <a:ext uri="{FF2B5EF4-FFF2-40B4-BE49-F238E27FC236}">
-                <a16:creationId xmlns:a16="http://schemas.microsoft.com/office/drawing/2014/main" id="{073FC85F-566C-48FC-83AE-6CEB35E6F822}"/>
+                <a16:creationId xmlns:a16="http://schemas.microsoft.com/office/drawing/2014/main" xmlns="" id="{073FC85F-566C-48FC-83AE-6CEB35E6F822}"/>
               </a:ext>
             </a:extLst>
           </p:cNvPr>
@@ -275,7 +275,7 @@
           <p:cNvPr id="5" name="Footer Placeholder 4">
             <a:extLst>
               <a:ext uri="{FF2B5EF4-FFF2-40B4-BE49-F238E27FC236}">
-                <a16:creationId xmlns:a16="http://schemas.microsoft.com/office/drawing/2014/main" id="{60FEACEA-AF48-44AA-81D2-201219B4CD16}"/>
+                <a16:creationId xmlns:a16="http://schemas.microsoft.com/office/drawing/2014/main" xmlns="" id="{60FEACEA-AF48-44AA-81D2-201219B4CD16}"/>
               </a:ext>
             </a:extLst>
           </p:cNvPr>
@@ -300,7 +300,7 @@
           <p:cNvPr id="6" name="Slide Number Placeholder 5">
             <a:extLst>
               <a:ext uri="{FF2B5EF4-FFF2-40B4-BE49-F238E27FC236}">
-                <a16:creationId xmlns:a16="http://schemas.microsoft.com/office/drawing/2014/main" id="{D6E7B74E-F784-4D46-B0E4-1E9B192C5925}"/>
+                <a16:creationId xmlns:a16="http://schemas.microsoft.com/office/drawing/2014/main" xmlns="" id="{D6E7B74E-F784-4D46-B0E4-1E9B192C5925}"/>
               </a:ext>
             </a:extLst>
           </p:cNvPr>
@@ -359,7 +359,7 @@
           <p:cNvPr id="2" name="Title 1">
             <a:extLst>
               <a:ext uri="{FF2B5EF4-FFF2-40B4-BE49-F238E27FC236}">
-                <a16:creationId xmlns:a16="http://schemas.microsoft.com/office/drawing/2014/main" id="{D36CDCD9-F9F2-413F-ADF8-75E635A50827}"/>
+                <a16:creationId xmlns:a16="http://schemas.microsoft.com/office/drawing/2014/main" xmlns="" id="{D36CDCD9-F9F2-413F-ADF8-75E635A50827}"/>
               </a:ext>
             </a:extLst>
           </p:cNvPr>
@@ -387,7 +387,7 @@
           <p:cNvPr id="3" name="Vertical Text Placeholder 2">
             <a:extLst>
               <a:ext uri="{FF2B5EF4-FFF2-40B4-BE49-F238E27FC236}">
-                <a16:creationId xmlns:a16="http://schemas.microsoft.com/office/drawing/2014/main" id="{636BCE29-7098-4D19-91D1-7467505E0C67}"/>
+                <a16:creationId xmlns:a16="http://schemas.microsoft.com/office/drawing/2014/main" xmlns="" id="{636BCE29-7098-4D19-91D1-7467505E0C67}"/>
               </a:ext>
             </a:extLst>
           </p:cNvPr>
@@ -444,7 +444,7 @@
           <p:cNvPr id="4" name="Date Placeholder 3">
             <a:extLst>
               <a:ext uri="{FF2B5EF4-FFF2-40B4-BE49-F238E27FC236}">
-                <a16:creationId xmlns:a16="http://schemas.microsoft.com/office/drawing/2014/main" id="{24BFEA6A-BC96-4E97-B9BB-E5062D495C0C}"/>
+                <a16:creationId xmlns:a16="http://schemas.microsoft.com/office/drawing/2014/main" xmlns="" id="{24BFEA6A-BC96-4E97-B9BB-E5062D495C0C}"/>
               </a:ext>
             </a:extLst>
           </p:cNvPr>
@@ -473,7 +473,7 @@
           <p:cNvPr id="5" name="Footer Placeholder 4">
             <a:extLst>
               <a:ext uri="{FF2B5EF4-FFF2-40B4-BE49-F238E27FC236}">
-                <a16:creationId xmlns:a16="http://schemas.microsoft.com/office/drawing/2014/main" id="{0E3B8F3F-C19F-4CD2-8884-10CF18E1E762}"/>
+                <a16:creationId xmlns:a16="http://schemas.microsoft.com/office/drawing/2014/main" xmlns="" id="{0E3B8F3F-C19F-4CD2-8884-10CF18E1E762}"/>
               </a:ext>
             </a:extLst>
           </p:cNvPr>
@@ -498,7 +498,7 @@
           <p:cNvPr id="6" name="Slide Number Placeholder 5">
             <a:extLst>
               <a:ext uri="{FF2B5EF4-FFF2-40B4-BE49-F238E27FC236}">
-                <a16:creationId xmlns:a16="http://schemas.microsoft.com/office/drawing/2014/main" id="{6B2ABD93-5134-4F1C-B8D5-DC9DA802018E}"/>
+                <a16:creationId xmlns:a16="http://schemas.microsoft.com/office/drawing/2014/main" xmlns="" id="{6B2ABD93-5134-4F1C-B8D5-DC9DA802018E}"/>
               </a:ext>
             </a:extLst>
           </p:cNvPr>
@@ -557,7 +557,7 @@
           <p:cNvPr id="2" name="Vertical Title 1">
             <a:extLst>
               <a:ext uri="{FF2B5EF4-FFF2-40B4-BE49-F238E27FC236}">
-                <a16:creationId xmlns:a16="http://schemas.microsoft.com/office/drawing/2014/main" id="{1C1E10FF-43F5-46F3-BF1C-BEBBEC69DEA4}"/>
+                <a16:creationId xmlns:a16="http://schemas.microsoft.com/office/drawing/2014/main" xmlns="" id="{1C1E10FF-43F5-46F3-BF1C-BEBBEC69DEA4}"/>
               </a:ext>
             </a:extLst>
           </p:cNvPr>
@@ -590,7 +590,7 @@
           <p:cNvPr id="3" name="Vertical Text Placeholder 2">
             <a:extLst>
               <a:ext uri="{FF2B5EF4-FFF2-40B4-BE49-F238E27FC236}">
-                <a16:creationId xmlns:a16="http://schemas.microsoft.com/office/drawing/2014/main" id="{9350147E-78EA-4F63-9D5D-87F2D0307CC2}"/>
+                <a16:creationId xmlns:a16="http://schemas.microsoft.com/office/drawing/2014/main" xmlns="" id="{9350147E-78EA-4F63-9D5D-87F2D0307CC2}"/>
               </a:ext>
             </a:extLst>
           </p:cNvPr>
@@ -652,7 +652,7 @@
           <p:cNvPr id="4" name="Date Placeholder 3">
             <a:extLst>
               <a:ext uri="{FF2B5EF4-FFF2-40B4-BE49-F238E27FC236}">
-                <a16:creationId xmlns:a16="http://schemas.microsoft.com/office/drawing/2014/main" id="{AA066BA0-8BA3-4295-962E-ACA1C8C74425}"/>
+                <a16:creationId xmlns:a16="http://schemas.microsoft.com/office/drawing/2014/main" xmlns="" id="{AA066BA0-8BA3-4295-962E-ACA1C8C74425}"/>
               </a:ext>
             </a:extLst>
           </p:cNvPr>
@@ -681,7 +681,7 @@
           <p:cNvPr id="5" name="Footer Placeholder 4">
             <a:extLst>
               <a:ext uri="{FF2B5EF4-FFF2-40B4-BE49-F238E27FC236}">
-                <a16:creationId xmlns:a16="http://schemas.microsoft.com/office/drawing/2014/main" id="{FECADF4F-39CC-4CDF-9FAD-851FFC24F0BF}"/>
+                <a16:creationId xmlns:a16="http://schemas.microsoft.com/office/drawing/2014/main" xmlns="" id="{FECADF4F-39CC-4CDF-9FAD-851FFC24F0BF}"/>
               </a:ext>
             </a:extLst>
           </p:cNvPr>
@@ -706,7 +706,7 @@
           <p:cNvPr id="6" name="Slide Number Placeholder 5">
             <a:extLst>
               <a:ext uri="{FF2B5EF4-FFF2-40B4-BE49-F238E27FC236}">
-                <a16:creationId xmlns:a16="http://schemas.microsoft.com/office/drawing/2014/main" id="{199D3674-E993-4AE7-9BBF-1B90879A5BF8}"/>
+                <a16:creationId xmlns:a16="http://schemas.microsoft.com/office/drawing/2014/main" xmlns="" id="{199D3674-E993-4AE7-9BBF-1B90879A5BF8}"/>
               </a:ext>
             </a:extLst>
           </p:cNvPr>
@@ -765,7 +765,7 @@
           <p:cNvPr id="2" name="Title 1">
             <a:extLst>
               <a:ext uri="{FF2B5EF4-FFF2-40B4-BE49-F238E27FC236}">
-                <a16:creationId xmlns:a16="http://schemas.microsoft.com/office/drawing/2014/main" id="{114FE179-C379-40B1-8A2E-69666BE821C4}"/>
+                <a16:creationId xmlns:a16="http://schemas.microsoft.com/office/drawing/2014/main" xmlns="" id="{114FE179-C379-40B1-8A2E-69666BE821C4}"/>
               </a:ext>
             </a:extLst>
           </p:cNvPr>
@@ -793,7 +793,7 @@
           <p:cNvPr id="3" name="Content Placeholder 2">
             <a:extLst>
               <a:ext uri="{FF2B5EF4-FFF2-40B4-BE49-F238E27FC236}">
-                <a16:creationId xmlns:a16="http://schemas.microsoft.com/office/drawing/2014/main" id="{D26977EB-8101-4DC4-AAB7-813A3E2F3F0F}"/>
+                <a16:creationId xmlns:a16="http://schemas.microsoft.com/office/drawing/2014/main" xmlns="" id="{D26977EB-8101-4DC4-AAB7-813A3E2F3F0F}"/>
               </a:ext>
             </a:extLst>
           </p:cNvPr>
@@ -850,7 +850,7 @@
           <p:cNvPr id="4" name="Date Placeholder 3">
             <a:extLst>
               <a:ext uri="{FF2B5EF4-FFF2-40B4-BE49-F238E27FC236}">
-                <a16:creationId xmlns:a16="http://schemas.microsoft.com/office/drawing/2014/main" id="{91256BA3-033C-452D-BAC9-6072EDB384A6}"/>
+                <a16:creationId xmlns:a16="http://schemas.microsoft.com/office/drawing/2014/main" xmlns="" id="{91256BA3-033C-452D-BAC9-6072EDB384A6}"/>
               </a:ext>
             </a:extLst>
           </p:cNvPr>
@@ -879,7 +879,7 @@
           <p:cNvPr id="5" name="Footer Placeholder 4">
             <a:extLst>
               <a:ext uri="{FF2B5EF4-FFF2-40B4-BE49-F238E27FC236}">
-                <a16:creationId xmlns:a16="http://schemas.microsoft.com/office/drawing/2014/main" id="{20EB5948-19BF-46F5-B9C9-D041F768A881}"/>
+                <a16:creationId xmlns:a16="http://schemas.microsoft.com/office/drawing/2014/main" xmlns="" id="{20EB5948-19BF-46F5-B9C9-D041F768A881}"/>
               </a:ext>
             </a:extLst>
           </p:cNvPr>
@@ -904,7 +904,7 @@
           <p:cNvPr id="6" name="Slide Number Placeholder 5">
             <a:extLst>
               <a:ext uri="{FF2B5EF4-FFF2-40B4-BE49-F238E27FC236}">
-                <a16:creationId xmlns:a16="http://schemas.microsoft.com/office/drawing/2014/main" id="{A42440E0-2A04-4A0B-B8BC-8D30E0DB1B18}"/>
+                <a16:creationId xmlns:a16="http://schemas.microsoft.com/office/drawing/2014/main" xmlns="" id="{A42440E0-2A04-4A0B-B8BC-8D30E0DB1B18}"/>
               </a:ext>
             </a:extLst>
           </p:cNvPr>
@@ -963,7 +963,7 @@
           <p:cNvPr id="2" name="Title 1">
             <a:extLst>
               <a:ext uri="{FF2B5EF4-FFF2-40B4-BE49-F238E27FC236}">
-                <a16:creationId xmlns:a16="http://schemas.microsoft.com/office/drawing/2014/main" id="{32608501-7456-4D24-A020-058DF9F20CDD}"/>
+                <a16:creationId xmlns:a16="http://schemas.microsoft.com/office/drawing/2014/main" xmlns="" id="{32608501-7456-4D24-A020-058DF9F20CDD}"/>
               </a:ext>
             </a:extLst>
           </p:cNvPr>
@@ -1000,7 +1000,7 @@
           <p:cNvPr id="3" name="Text Placeholder 2">
             <a:extLst>
               <a:ext uri="{FF2B5EF4-FFF2-40B4-BE49-F238E27FC236}">
-                <a16:creationId xmlns:a16="http://schemas.microsoft.com/office/drawing/2014/main" id="{FA7A2DB6-7F81-4A81-BFDC-30C54B18F487}"/>
+                <a16:creationId xmlns:a16="http://schemas.microsoft.com/office/drawing/2014/main" xmlns="" id="{FA7A2DB6-7F81-4A81-BFDC-30C54B18F487}"/>
               </a:ext>
             </a:extLst>
           </p:cNvPr>
@@ -1125,7 +1125,7 @@
           <p:cNvPr id="4" name="Date Placeholder 3">
             <a:extLst>
               <a:ext uri="{FF2B5EF4-FFF2-40B4-BE49-F238E27FC236}">
-                <a16:creationId xmlns:a16="http://schemas.microsoft.com/office/drawing/2014/main" id="{7A1868BF-24B1-48B4-954A-A3B6C6D6FC0E}"/>
+                <a16:creationId xmlns:a16="http://schemas.microsoft.com/office/drawing/2014/main" xmlns="" id="{7A1868BF-24B1-48B4-954A-A3B6C6D6FC0E}"/>
               </a:ext>
             </a:extLst>
           </p:cNvPr>
@@ -1154,7 +1154,7 @@
           <p:cNvPr id="5" name="Footer Placeholder 4">
             <a:extLst>
               <a:ext uri="{FF2B5EF4-FFF2-40B4-BE49-F238E27FC236}">
-                <a16:creationId xmlns:a16="http://schemas.microsoft.com/office/drawing/2014/main" id="{7FB890FC-294F-4D93-ABD2-35EA574EF4E0}"/>
+                <a16:creationId xmlns:a16="http://schemas.microsoft.com/office/drawing/2014/main" xmlns="" id="{7FB890FC-294F-4D93-ABD2-35EA574EF4E0}"/>
               </a:ext>
             </a:extLst>
           </p:cNvPr>
@@ -1179,7 +1179,7 @@
           <p:cNvPr id="6" name="Slide Number Placeholder 5">
             <a:extLst>
               <a:ext uri="{FF2B5EF4-FFF2-40B4-BE49-F238E27FC236}">
-                <a16:creationId xmlns:a16="http://schemas.microsoft.com/office/drawing/2014/main" id="{FE8315C7-202D-46C0-9EE5-3AB1684A9925}"/>
+                <a16:creationId xmlns:a16="http://schemas.microsoft.com/office/drawing/2014/main" xmlns="" id="{FE8315C7-202D-46C0-9EE5-3AB1684A9925}"/>
               </a:ext>
             </a:extLst>
           </p:cNvPr>
@@ -1238,7 +1238,7 @@
           <p:cNvPr id="2" name="Title 1">
             <a:extLst>
               <a:ext uri="{FF2B5EF4-FFF2-40B4-BE49-F238E27FC236}">
-                <a16:creationId xmlns:a16="http://schemas.microsoft.com/office/drawing/2014/main" id="{5DD6A90C-877D-4447-8904-D50EB3F82B2B}"/>
+                <a16:creationId xmlns:a16="http://schemas.microsoft.com/office/drawing/2014/main" xmlns="" id="{5DD6A90C-877D-4447-8904-D50EB3F82B2B}"/>
               </a:ext>
             </a:extLst>
           </p:cNvPr>
@@ -1266,7 +1266,7 @@
           <p:cNvPr id="3" name="Content Placeholder 2">
             <a:extLst>
               <a:ext uri="{FF2B5EF4-FFF2-40B4-BE49-F238E27FC236}">
-                <a16:creationId xmlns:a16="http://schemas.microsoft.com/office/drawing/2014/main" id="{DD6CCCB2-5FB7-43D3-B714-7A368843AA00}"/>
+                <a16:creationId xmlns:a16="http://schemas.microsoft.com/office/drawing/2014/main" xmlns="" id="{DD6CCCB2-5FB7-43D3-B714-7A368843AA00}"/>
               </a:ext>
             </a:extLst>
           </p:cNvPr>
@@ -1328,7 +1328,7 @@
           <p:cNvPr id="4" name="Content Placeholder 3">
             <a:extLst>
               <a:ext uri="{FF2B5EF4-FFF2-40B4-BE49-F238E27FC236}">
-                <a16:creationId xmlns:a16="http://schemas.microsoft.com/office/drawing/2014/main" id="{9509B728-458E-44E3-8656-67140FCB02CF}"/>
+                <a16:creationId xmlns:a16="http://schemas.microsoft.com/office/drawing/2014/main" xmlns="" id="{9509B728-458E-44E3-8656-67140FCB02CF}"/>
               </a:ext>
             </a:extLst>
           </p:cNvPr>
@@ -1390,7 +1390,7 @@
           <p:cNvPr id="5" name="Date Placeholder 4">
             <a:extLst>
               <a:ext uri="{FF2B5EF4-FFF2-40B4-BE49-F238E27FC236}">
-                <a16:creationId xmlns:a16="http://schemas.microsoft.com/office/drawing/2014/main" id="{8607B514-2A03-4A9E-8415-3843226A32F0}"/>
+                <a16:creationId xmlns:a16="http://schemas.microsoft.com/office/drawing/2014/main" xmlns="" id="{8607B514-2A03-4A9E-8415-3843226A32F0}"/>
               </a:ext>
             </a:extLst>
           </p:cNvPr>
@@ -1419,7 +1419,7 @@
           <p:cNvPr id="6" name="Footer Placeholder 5">
             <a:extLst>
               <a:ext uri="{FF2B5EF4-FFF2-40B4-BE49-F238E27FC236}">
-                <a16:creationId xmlns:a16="http://schemas.microsoft.com/office/drawing/2014/main" id="{A942907A-76CF-4D01-BC1D-80580ACA6BFD}"/>
+                <a16:creationId xmlns:a16="http://schemas.microsoft.com/office/drawing/2014/main" xmlns="" id="{A942907A-76CF-4D01-BC1D-80580ACA6BFD}"/>
               </a:ext>
             </a:extLst>
           </p:cNvPr>
@@ -1444,7 +1444,7 @@
           <p:cNvPr id="7" name="Slide Number Placeholder 6">
             <a:extLst>
               <a:ext uri="{FF2B5EF4-FFF2-40B4-BE49-F238E27FC236}">
-                <a16:creationId xmlns:a16="http://schemas.microsoft.com/office/drawing/2014/main" id="{73FCE0C7-C276-49CC-9514-A82FCF927A6E}"/>
+                <a16:creationId xmlns:a16="http://schemas.microsoft.com/office/drawing/2014/main" xmlns="" id="{73FCE0C7-C276-49CC-9514-A82FCF927A6E}"/>
               </a:ext>
             </a:extLst>
           </p:cNvPr>
@@ -1503,7 +1503,7 @@
           <p:cNvPr id="2" name="Title 1">
             <a:extLst>
               <a:ext uri="{FF2B5EF4-FFF2-40B4-BE49-F238E27FC236}">
-                <a16:creationId xmlns:a16="http://schemas.microsoft.com/office/drawing/2014/main" id="{ABBEECA4-0582-4598-9E4F-A86CC4E795B9}"/>
+                <a16:creationId xmlns:a16="http://schemas.microsoft.com/office/drawing/2014/main" xmlns="" id="{ABBEECA4-0582-4598-9E4F-A86CC4E795B9}"/>
               </a:ext>
             </a:extLst>
           </p:cNvPr>
@@ -1536,7 +1536,7 @@
           <p:cNvPr id="3" name="Text Placeholder 2">
             <a:extLst>
               <a:ext uri="{FF2B5EF4-FFF2-40B4-BE49-F238E27FC236}">
-                <a16:creationId xmlns:a16="http://schemas.microsoft.com/office/drawing/2014/main" id="{072B06EE-D552-479E-959B-E85274F3E48B}"/>
+                <a16:creationId xmlns:a16="http://schemas.microsoft.com/office/drawing/2014/main" xmlns="" id="{072B06EE-D552-479E-959B-E85274F3E48B}"/>
               </a:ext>
             </a:extLst>
           </p:cNvPr>
@@ -1607,7 +1607,7 @@
           <p:cNvPr id="4" name="Content Placeholder 3">
             <a:extLst>
               <a:ext uri="{FF2B5EF4-FFF2-40B4-BE49-F238E27FC236}">
-                <a16:creationId xmlns:a16="http://schemas.microsoft.com/office/drawing/2014/main" id="{AA742B5C-3C3B-45D5-B50C-AA52A21D98DC}"/>
+                <a16:creationId xmlns:a16="http://schemas.microsoft.com/office/drawing/2014/main" xmlns="" id="{AA742B5C-3C3B-45D5-B50C-AA52A21D98DC}"/>
               </a:ext>
             </a:extLst>
           </p:cNvPr>
@@ -1669,7 +1669,7 @@
           <p:cNvPr id="5" name="Text Placeholder 4">
             <a:extLst>
               <a:ext uri="{FF2B5EF4-FFF2-40B4-BE49-F238E27FC236}">
-                <a16:creationId xmlns:a16="http://schemas.microsoft.com/office/drawing/2014/main" id="{39553492-757B-4160-BC21-249AA6FFDB04}"/>
+                <a16:creationId xmlns:a16="http://schemas.microsoft.com/office/drawing/2014/main" xmlns="" id="{39553492-757B-4160-BC21-249AA6FFDB04}"/>
               </a:ext>
             </a:extLst>
           </p:cNvPr>
@@ -1740,7 +1740,7 @@
           <p:cNvPr id="6" name="Content Placeholder 5">
             <a:extLst>
               <a:ext uri="{FF2B5EF4-FFF2-40B4-BE49-F238E27FC236}">
-                <a16:creationId xmlns:a16="http://schemas.microsoft.com/office/drawing/2014/main" id="{E04DDAFE-22B7-4698-ACB2-EE828235396A}"/>
+                <a16:creationId xmlns:a16="http://schemas.microsoft.com/office/drawing/2014/main" xmlns="" id="{E04DDAFE-22B7-4698-ACB2-EE828235396A}"/>
               </a:ext>
             </a:extLst>
           </p:cNvPr>
@@ -1802,7 +1802,7 @@
           <p:cNvPr id="7" name="Date Placeholder 6">
             <a:extLst>
               <a:ext uri="{FF2B5EF4-FFF2-40B4-BE49-F238E27FC236}">
-                <a16:creationId xmlns:a16="http://schemas.microsoft.com/office/drawing/2014/main" id="{25CD29D2-ACB7-46D6-B751-61A162CA8E2A}"/>
+                <a16:creationId xmlns:a16="http://schemas.microsoft.com/office/drawing/2014/main" xmlns="" id="{25CD29D2-ACB7-46D6-B751-61A162CA8E2A}"/>
               </a:ext>
             </a:extLst>
           </p:cNvPr>
@@ -1831,7 +1831,7 @@
           <p:cNvPr id="8" name="Footer Placeholder 7">
             <a:extLst>
               <a:ext uri="{FF2B5EF4-FFF2-40B4-BE49-F238E27FC236}">
-                <a16:creationId xmlns:a16="http://schemas.microsoft.com/office/drawing/2014/main" id="{84574B8D-9E04-4615-97BF-588F3E88300E}"/>
+                <a16:creationId xmlns:a16="http://schemas.microsoft.com/office/drawing/2014/main" xmlns="" id="{84574B8D-9E04-4615-97BF-588F3E88300E}"/>
               </a:ext>
             </a:extLst>
           </p:cNvPr>
@@ -1856,7 +1856,7 @@
           <p:cNvPr id="9" name="Slide Number Placeholder 8">
             <a:extLst>
               <a:ext uri="{FF2B5EF4-FFF2-40B4-BE49-F238E27FC236}">
-                <a16:creationId xmlns:a16="http://schemas.microsoft.com/office/drawing/2014/main" id="{7C3C281B-5635-4EC8-9514-48C8C6ADCA9C}"/>
+                <a16:creationId xmlns:a16="http://schemas.microsoft.com/office/drawing/2014/main" xmlns="" id="{7C3C281B-5635-4EC8-9514-48C8C6ADCA9C}"/>
               </a:ext>
             </a:extLst>
           </p:cNvPr>
@@ -1915,7 +1915,7 @@
           <p:cNvPr id="2" name="Title 1">
             <a:extLst>
               <a:ext uri="{FF2B5EF4-FFF2-40B4-BE49-F238E27FC236}">
-                <a16:creationId xmlns:a16="http://schemas.microsoft.com/office/drawing/2014/main" id="{6535C88F-9A1E-4DC8-AB3C-62C32533A76B}"/>
+                <a16:creationId xmlns:a16="http://schemas.microsoft.com/office/drawing/2014/main" xmlns="" id="{6535C88F-9A1E-4DC8-AB3C-62C32533A76B}"/>
               </a:ext>
             </a:extLst>
           </p:cNvPr>
@@ -1943,7 +1943,7 @@
           <p:cNvPr id="3" name="Date Placeholder 2">
             <a:extLst>
               <a:ext uri="{FF2B5EF4-FFF2-40B4-BE49-F238E27FC236}">
-                <a16:creationId xmlns:a16="http://schemas.microsoft.com/office/drawing/2014/main" id="{6FEC8435-8A4C-4C3C-B9DE-61A5CC966F60}"/>
+                <a16:creationId xmlns:a16="http://schemas.microsoft.com/office/drawing/2014/main" xmlns="" id="{6FEC8435-8A4C-4C3C-B9DE-61A5CC966F60}"/>
               </a:ext>
             </a:extLst>
           </p:cNvPr>
@@ -1972,7 +1972,7 @@
           <p:cNvPr id="4" name="Footer Placeholder 3">
             <a:extLst>
               <a:ext uri="{FF2B5EF4-FFF2-40B4-BE49-F238E27FC236}">
-                <a16:creationId xmlns:a16="http://schemas.microsoft.com/office/drawing/2014/main" id="{8971E9FC-0B19-4E83-86DE-A12AF8037FAA}"/>
+                <a16:creationId xmlns:a16="http://schemas.microsoft.com/office/drawing/2014/main" xmlns="" id="{8971E9FC-0B19-4E83-86DE-A12AF8037FAA}"/>
               </a:ext>
             </a:extLst>
           </p:cNvPr>
@@ -1997,7 +1997,7 @@
           <p:cNvPr id="5" name="Slide Number Placeholder 4">
             <a:extLst>
               <a:ext uri="{FF2B5EF4-FFF2-40B4-BE49-F238E27FC236}">
-                <a16:creationId xmlns:a16="http://schemas.microsoft.com/office/drawing/2014/main" id="{2C220D8D-3D45-489D-AF38-75A143947A1B}"/>
+                <a16:creationId xmlns:a16="http://schemas.microsoft.com/office/drawing/2014/main" xmlns="" id="{2C220D8D-3D45-489D-AF38-75A143947A1B}"/>
               </a:ext>
             </a:extLst>
           </p:cNvPr>
@@ -2056,7 +2056,7 @@
           <p:cNvPr id="2" name="Date Placeholder 1">
             <a:extLst>
               <a:ext uri="{FF2B5EF4-FFF2-40B4-BE49-F238E27FC236}">
-                <a16:creationId xmlns:a16="http://schemas.microsoft.com/office/drawing/2014/main" id="{788708BD-C8F5-4E31-9048-D923BCBD5F1A}"/>
+                <a16:creationId xmlns:a16="http://schemas.microsoft.com/office/drawing/2014/main" xmlns="" id="{788708BD-C8F5-4E31-9048-D923BCBD5F1A}"/>
               </a:ext>
             </a:extLst>
           </p:cNvPr>
@@ -2085,7 +2085,7 @@
           <p:cNvPr id="3" name="Footer Placeholder 2">
             <a:extLst>
               <a:ext uri="{FF2B5EF4-FFF2-40B4-BE49-F238E27FC236}">
-                <a16:creationId xmlns:a16="http://schemas.microsoft.com/office/drawing/2014/main" id="{E95DC55F-A1A5-4665-8F10-0A70A0C5E4B3}"/>
+                <a16:creationId xmlns:a16="http://schemas.microsoft.com/office/drawing/2014/main" xmlns="" id="{E95DC55F-A1A5-4665-8F10-0A70A0C5E4B3}"/>
               </a:ext>
             </a:extLst>
           </p:cNvPr>
@@ -2110,7 +2110,7 @@
           <p:cNvPr id="4" name="Slide Number Placeholder 3">
             <a:extLst>
               <a:ext uri="{FF2B5EF4-FFF2-40B4-BE49-F238E27FC236}">
-                <a16:creationId xmlns:a16="http://schemas.microsoft.com/office/drawing/2014/main" id="{7EAD86E8-1883-4253-900F-71ED8A2B07AD}"/>
+                <a16:creationId xmlns:a16="http://schemas.microsoft.com/office/drawing/2014/main" xmlns="" id="{7EAD86E8-1883-4253-900F-71ED8A2B07AD}"/>
               </a:ext>
             </a:extLst>
           </p:cNvPr>
@@ -2169,7 +2169,7 @@
           <p:cNvPr id="2" name="Title 1">
             <a:extLst>
               <a:ext uri="{FF2B5EF4-FFF2-40B4-BE49-F238E27FC236}">
-                <a16:creationId xmlns:a16="http://schemas.microsoft.com/office/drawing/2014/main" id="{F1DADA49-8B64-4B98-8959-AFA81D1C4D73}"/>
+                <a16:creationId xmlns:a16="http://schemas.microsoft.com/office/drawing/2014/main" xmlns="" id="{F1DADA49-8B64-4B98-8959-AFA81D1C4D73}"/>
               </a:ext>
             </a:extLst>
           </p:cNvPr>
@@ -2206,7 +2206,7 @@
           <p:cNvPr id="3" name="Content Placeholder 2">
             <a:extLst>
               <a:ext uri="{FF2B5EF4-FFF2-40B4-BE49-F238E27FC236}">
-                <a16:creationId xmlns:a16="http://schemas.microsoft.com/office/drawing/2014/main" id="{23A9F4B2-474E-4BB5-9747-1675C3B25569}"/>
+                <a16:creationId xmlns:a16="http://schemas.microsoft.com/office/drawing/2014/main" xmlns="" id="{23A9F4B2-474E-4BB5-9747-1675C3B25569}"/>
               </a:ext>
             </a:extLst>
           </p:cNvPr>
@@ -2296,7 +2296,7 @@
           <p:cNvPr id="4" name="Text Placeholder 3">
             <a:extLst>
               <a:ext uri="{FF2B5EF4-FFF2-40B4-BE49-F238E27FC236}">
-                <a16:creationId xmlns:a16="http://schemas.microsoft.com/office/drawing/2014/main" id="{E190C0E3-E150-4DFA-A5FA-E6DD3FCE420D}"/>
+                <a16:creationId xmlns:a16="http://schemas.microsoft.com/office/drawing/2014/main" xmlns="" id="{E190C0E3-E150-4DFA-A5FA-E6DD3FCE420D}"/>
               </a:ext>
             </a:extLst>
           </p:cNvPr>
@@ -2367,7 +2367,7 @@
           <p:cNvPr id="5" name="Date Placeholder 4">
             <a:extLst>
               <a:ext uri="{FF2B5EF4-FFF2-40B4-BE49-F238E27FC236}">
-                <a16:creationId xmlns:a16="http://schemas.microsoft.com/office/drawing/2014/main" id="{78891553-0946-4CA6-9942-729363947EBA}"/>
+                <a16:creationId xmlns:a16="http://schemas.microsoft.com/office/drawing/2014/main" xmlns="" id="{78891553-0946-4CA6-9942-729363947EBA}"/>
               </a:ext>
             </a:extLst>
           </p:cNvPr>
@@ -2396,7 +2396,7 @@
           <p:cNvPr id="6" name="Footer Placeholder 5">
             <a:extLst>
               <a:ext uri="{FF2B5EF4-FFF2-40B4-BE49-F238E27FC236}">
-                <a16:creationId xmlns:a16="http://schemas.microsoft.com/office/drawing/2014/main" id="{68635A3B-EC92-46DB-8F22-112337CADEF6}"/>
+                <a16:creationId xmlns:a16="http://schemas.microsoft.com/office/drawing/2014/main" xmlns="" id="{68635A3B-EC92-46DB-8F22-112337CADEF6}"/>
               </a:ext>
             </a:extLst>
           </p:cNvPr>
@@ -2421,7 +2421,7 @@
           <p:cNvPr id="7" name="Slide Number Placeholder 6">
             <a:extLst>
               <a:ext uri="{FF2B5EF4-FFF2-40B4-BE49-F238E27FC236}">
-                <a16:creationId xmlns:a16="http://schemas.microsoft.com/office/drawing/2014/main" id="{B86D6C76-027C-411B-8A82-053BE839C0E4}"/>
+                <a16:creationId xmlns:a16="http://schemas.microsoft.com/office/drawing/2014/main" xmlns="" id="{B86D6C76-027C-411B-8A82-053BE839C0E4}"/>
               </a:ext>
             </a:extLst>
           </p:cNvPr>
@@ -2480,7 +2480,7 @@
           <p:cNvPr id="2" name="Title 1">
             <a:extLst>
               <a:ext uri="{FF2B5EF4-FFF2-40B4-BE49-F238E27FC236}">
-                <a16:creationId xmlns:a16="http://schemas.microsoft.com/office/drawing/2014/main" id="{43BEC05D-6238-4475-91E2-504A917B7A41}"/>
+                <a16:creationId xmlns:a16="http://schemas.microsoft.com/office/drawing/2014/main" xmlns="" id="{43BEC05D-6238-4475-91E2-504A917B7A41}"/>
               </a:ext>
             </a:extLst>
           </p:cNvPr>
@@ -2517,7 +2517,7 @@
           <p:cNvPr id="3" name="Picture Placeholder 2">
             <a:extLst>
               <a:ext uri="{FF2B5EF4-FFF2-40B4-BE49-F238E27FC236}">
-                <a16:creationId xmlns:a16="http://schemas.microsoft.com/office/drawing/2014/main" id="{61326474-9CEA-49DA-AF5D-2F381A7F4534}"/>
+                <a16:creationId xmlns:a16="http://schemas.microsoft.com/office/drawing/2014/main" xmlns="" id="{61326474-9CEA-49DA-AF5D-2F381A7F4534}"/>
               </a:ext>
             </a:extLst>
           </p:cNvPr>
@@ -2584,7 +2584,7 @@
           <p:cNvPr id="4" name="Text Placeholder 3">
             <a:extLst>
               <a:ext uri="{FF2B5EF4-FFF2-40B4-BE49-F238E27FC236}">
-                <a16:creationId xmlns:a16="http://schemas.microsoft.com/office/drawing/2014/main" id="{A41E8C82-7215-4077-B8EF-B67EFFE4A4C5}"/>
+                <a16:creationId xmlns:a16="http://schemas.microsoft.com/office/drawing/2014/main" xmlns="" id="{A41E8C82-7215-4077-B8EF-B67EFFE4A4C5}"/>
               </a:ext>
             </a:extLst>
           </p:cNvPr>
@@ -2655,7 +2655,7 @@
           <p:cNvPr id="5" name="Date Placeholder 4">
             <a:extLst>
               <a:ext uri="{FF2B5EF4-FFF2-40B4-BE49-F238E27FC236}">
-                <a16:creationId xmlns:a16="http://schemas.microsoft.com/office/drawing/2014/main" id="{9D99515A-D9DE-42C2-AD19-84633539FB21}"/>
+                <a16:creationId xmlns:a16="http://schemas.microsoft.com/office/drawing/2014/main" xmlns="" id="{9D99515A-D9DE-42C2-AD19-84633539FB21}"/>
               </a:ext>
             </a:extLst>
           </p:cNvPr>
@@ -2684,7 +2684,7 @@
           <p:cNvPr id="6" name="Footer Placeholder 5">
             <a:extLst>
               <a:ext uri="{FF2B5EF4-FFF2-40B4-BE49-F238E27FC236}">
-                <a16:creationId xmlns:a16="http://schemas.microsoft.com/office/drawing/2014/main" id="{3B4D5DF4-914D-4694-8BA4-F4E12A7264BA}"/>
+                <a16:creationId xmlns:a16="http://schemas.microsoft.com/office/drawing/2014/main" xmlns="" id="{3B4D5DF4-914D-4694-8BA4-F4E12A7264BA}"/>
               </a:ext>
             </a:extLst>
           </p:cNvPr>
@@ -2709,7 +2709,7 @@
           <p:cNvPr id="7" name="Slide Number Placeholder 6">
             <a:extLst>
               <a:ext uri="{FF2B5EF4-FFF2-40B4-BE49-F238E27FC236}">
-                <a16:creationId xmlns:a16="http://schemas.microsoft.com/office/drawing/2014/main" id="{465D656E-2153-4482-8B39-D8602CE21FA9}"/>
+                <a16:creationId xmlns:a16="http://schemas.microsoft.com/office/drawing/2014/main" xmlns="" id="{465D656E-2153-4482-8B39-D8602CE21FA9}"/>
               </a:ext>
             </a:extLst>
           </p:cNvPr>
@@ -2773,7 +2773,7 @@
           <p:cNvPr id="2" name="Title Placeholder 1">
             <a:extLst>
               <a:ext uri="{FF2B5EF4-FFF2-40B4-BE49-F238E27FC236}">
-                <a16:creationId xmlns:a16="http://schemas.microsoft.com/office/drawing/2014/main" id="{C9B7F6DB-52B1-4CE4-B119-63948D9001A4}"/>
+                <a16:creationId xmlns:a16="http://schemas.microsoft.com/office/drawing/2014/main" xmlns="" id="{C9B7F6DB-52B1-4CE4-B119-63948D9001A4}"/>
               </a:ext>
             </a:extLst>
           </p:cNvPr>
@@ -2811,7 +2811,7 @@
           <p:cNvPr id="3" name="Text Placeholder 2">
             <a:extLst>
               <a:ext uri="{FF2B5EF4-FFF2-40B4-BE49-F238E27FC236}">
-                <a16:creationId xmlns:a16="http://schemas.microsoft.com/office/drawing/2014/main" id="{0596ABEC-AFCF-4101-880C-FB8BBE279BA9}"/>
+                <a16:creationId xmlns:a16="http://schemas.microsoft.com/office/drawing/2014/main" xmlns="" id="{0596ABEC-AFCF-4101-880C-FB8BBE279BA9}"/>
               </a:ext>
             </a:extLst>
           </p:cNvPr>
@@ -2878,7 +2878,7 @@
           <p:cNvPr id="4" name="Date Placeholder 3">
             <a:extLst>
               <a:ext uri="{FF2B5EF4-FFF2-40B4-BE49-F238E27FC236}">
-                <a16:creationId xmlns:a16="http://schemas.microsoft.com/office/drawing/2014/main" id="{698CD012-A0F1-4929-B442-2F5A542FD80D}"/>
+                <a16:creationId xmlns:a16="http://schemas.microsoft.com/office/drawing/2014/main" xmlns="" id="{698CD012-A0F1-4929-B442-2F5A542FD80D}"/>
               </a:ext>
             </a:extLst>
           </p:cNvPr>
@@ -2925,7 +2925,7 @@
           <p:cNvPr id="5" name="Footer Placeholder 4">
             <a:extLst>
               <a:ext uri="{FF2B5EF4-FFF2-40B4-BE49-F238E27FC236}">
-                <a16:creationId xmlns:a16="http://schemas.microsoft.com/office/drawing/2014/main" id="{0BE47AB9-C442-4529-9E72-13A9F81DAC9E}"/>
+                <a16:creationId xmlns:a16="http://schemas.microsoft.com/office/drawing/2014/main" xmlns="" id="{0BE47AB9-C442-4529-9E72-13A9F81DAC9E}"/>
               </a:ext>
             </a:extLst>
           </p:cNvPr>
@@ -2968,7 +2968,7 @@
           <p:cNvPr id="6" name="Slide Number Placeholder 5">
             <a:extLst>
               <a:ext uri="{FF2B5EF4-FFF2-40B4-BE49-F238E27FC236}">
-                <a16:creationId xmlns:a16="http://schemas.microsoft.com/office/drawing/2014/main" id="{EE1EAF7A-15FE-4C0D-A400-A00B2D155EAD}"/>
+                <a16:creationId xmlns:a16="http://schemas.microsoft.com/office/drawing/2014/main" xmlns="" id="{EE1EAF7A-15FE-4C0D-A400-A00B2D155EAD}"/>
               </a:ext>
             </a:extLst>
           </p:cNvPr>
@@ -3336,7 +3336,7 @@
           <p:cNvPr id="2" name="Title 1">
             <a:extLst>
               <a:ext uri="{FF2B5EF4-FFF2-40B4-BE49-F238E27FC236}">
-                <a16:creationId xmlns:a16="http://schemas.microsoft.com/office/drawing/2014/main" id="{BB2960F3-1F26-444F-9030-98596AD63812}"/>
+                <a16:creationId xmlns:a16="http://schemas.microsoft.com/office/drawing/2014/main" xmlns="" id="{BB2960F3-1F26-444F-9030-98596AD63812}"/>
               </a:ext>
             </a:extLst>
           </p:cNvPr>
@@ -3349,7 +3349,7 @@
         </p:nvSpPr>
         <p:spPr>
           <a:xfrm>
-            <a:off x="1524000" y="1122363"/>
+            <a:off x="3236890" y="697359"/>
             <a:ext cx="9144000" cy="3969754"/>
           </a:xfrm>
         </p:spPr>
@@ -3360,18 +3360,23 @@
           <a:lstStyle/>
           <a:p>
             <a:r>
-              <a:rPr lang="en-US" sz="8000" b="1" dirty="0"/>
-              <a:t>GROUP 9</a:t>
+              <a:rPr lang="tr-TR" sz="8000" b="1" dirty="0" smtClean="0"/>
+              <a:t>KEREVİZ</a:t>
+            </a:r>
+            <a:r>
+              <a:rPr lang="en-US" dirty="0"/>
+              <a:t/>
             </a:r>
             <a:br>
               <a:rPr lang="en-US" dirty="0"/>
             </a:br>
+            <a:r>
+              <a:rPr lang="en-US" dirty="0"/>
+              <a:t/>
+            </a:r>
             <a:br>
               <a:rPr lang="en-US" dirty="0"/>
             </a:br>
-            <a:br>
-              <a:rPr lang="en-US" dirty="0"/>
-            </a:br>
             <a:r>
               <a:rPr lang="en-US" dirty="0" err="1"/>
               <a:t>CmpE</a:t>
@@ -3383,6 +3388,36 @@
           </a:p>
         </p:txBody>
       </p:sp>
+      <p:pic>
+        <p:nvPicPr>
+          <p:cNvPr id="3" name="Resim 2"/>
+          <p:cNvPicPr>
+            <a:picLocks noChangeAspect="1"/>
+          </p:cNvPicPr>
+          <p:nvPr/>
+        </p:nvPicPr>
+        <p:blipFill>
+          <a:blip r:embed="rId2">
+            <a:extLst>
+              <a:ext uri="{28A0092B-C50C-407E-A947-70E740481C1C}">
+                <a14:useLocalDpi xmlns:a14="http://schemas.microsoft.com/office/drawing/2010/main" val="0"/>
+              </a:ext>
+            </a:extLst>
+          </a:blip>
+          <a:stretch>
+            <a:fillRect/>
+          </a:stretch>
+        </p:blipFill>
+        <p:spPr>
+          <a:xfrm>
+            <a:off x="755776" y="935999"/>
+            <a:ext cx="4453825" cy="4342480"/>
+          </a:xfrm>
+          <a:prstGeom prst="rect">
+            <a:avLst/>
+          </a:prstGeom>
+        </p:spPr>
+      </p:pic>
     </p:spTree>
     <p:extLst>
       <p:ext uri="{BB962C8B-B14F-4D97-AF65-F5344CB8AC3E}">
@@ -3393,6 +3428,13 @@
   <p:clrMapOvr>
     <a:masterClrMapping/>
   </p:clrMapOvr>
+  <p:timing>
+    <p:tnLst>
+      <p:par>
+        <p:cTn id="1" dur="indefinite" restart="never" nodeType="tmRoot"/>
+      </p:par>
+    </p:tnLst>
+  </p:timing>
 </p:sld>
 </file>
 
@@ -3418,7 +3460,7 @@
           <p:cNvPr id="2" name="Title 1">
             <a:extLst>
               <a:ext uri="{FF2B5EF4-FFF2-40B4-BE49-F238E27FC236}">
-                <a16:creationId xmlns:a16="http://schemas.microsoft.com/office/drawing/2014/main" id="{B1A9F8AB-B2BE-4922-BF00-479A8E352445}"/>
+                <a16:creationId xmlns:a16="http://schemas.microsoft.com/office/drawing/2014/main" xmlns="" id="{B1A9F8AB-B2BE-4922-BF00-479A8E352445}"/>
               </a:ext>
             </a:extLst>
           </p:cNvPr>
@@ -3446,7 +3488,7 @@
           <p:cNvPr id="1026" name="Picture 2">
             <a:extLst>
               <a:ext uri="{FF2B5EF4-FFF2-40B4-BE49-F238E27FC236}">
-                <a16:creationId xmlns:a16="http://schemas.microsoft.com/office/drawing/2014/main" id="{465ED054-5600-4930-8A46-68C77B32C1E8}"/>
+                <a16:creationId xmlns:a16="http://schemas.microsoft.com/office/drawing/2014/main" xmlns="" id="{465ED054-5600-4930-8A46-68C77B32C1E8}"/>
               </a:ext>
             </a:extLst>
           </p:cNvPr>
@@ -3493,7 +3535,7 @@
           <p:cNvPr id="1030" name="Picture 6">
             <a:extLst>
               <a:ext uri="{FF2B5EF4-FFF2-40B4-BE49-F238E27FC236}">
-                <a16:creationId xmlns:a16="http://schemas.microsoft.com/office/drawing/2014/main" id="{838AA140-6DC9-461B-84CD-C1BD026734F6}"/>
+                <a16:creationId xmlns:a16="http://schemas.microsoft.com/office/drawing/2014/main" xmlns="" id="{838AA140-6DC9-461B-84CD-C1BD026734F6}"/>
               </a:ext>
             </a:extLst>
           </p:cNvPr>
@@ -3540,7 +3582,7 @@
           <p:cNvPr id="1032" name="Picture 8">
             <a:extLst>
               <a:ext uri="{FF2B5EF4-FFF2-40B4-BE49-F238E27FC236}">
-                <a16:creationId xmlns:a16="http://schemas.microsoft.com/office/drawing/2014/main" id="{6C2CD649-CEDD-4526-BACB-D704DEFA5FD7}"/>
+                <a16:creationId xmlns:a16="http://schemas.microsoft.com/office/drawing/2014/main" xmlns="" id="{6C2CD649-CEDD-4526-BACB-D704DEFA5FD7}"/>
               </a:ext>
             </a:extLst>
           </p:cNvPr>
@@ -3550,7 +3592,7 @@
           <p:nvPr/>
         </p:nvPicPr>
         <p:blipFill>
-          <a:blip r:embed="rId4">
+          <a:blip r:embed="rId4" cstate="print">
             <a:extLst>
               <a:ext uri="{28A0092B-C50C-407E-A947-70E740481C1C}">
                 <a14:useLocalDpi xmlns:a14="http://schemas.microsoft.com/office/drawing/2010/main" val="0"/>
@@ -3587,7 +3629,7 @@
           <p:cNvPr id="1034" name="Picture 10" descr="Gamze Gülbahar">
             <a:extLst>
               <a:ext uri="{FF2B5EF4-FFF2-40B4-BE49-F238E27FC236}">
-                <a16:creationId xmlns:a16="http://schemas.microsoft.com/office/drawing/2014/main" id="{77C33C0B-0F76-48F5-BDE9-30ACB4A55D70}"/>
+                <a16:creationId xmlns:a16="http://schemas.microsoft.com/office/drawing/2014/main" xmlns="" id="{77C33C0B-0F76-48F5-BDE9-30ACB4A55D70}"/>
               </a:ext>
             </a:extLst>
           </p:cNvPr>
@@ -3634,7 +3676,7 @@
           <p:cNvPr id="1036" name="Picture 12" descr="İbrahim Can Kaplan">
             <a:extLst>
               <a:ext uri="{FF2B5EF4-FFF2-40B4-BE49-F238E27FC236}">
-                <a16:creationId xmlns:a16="http://schemas.microsoft.com/office/drawing/2014/main" id="{8FAF8E07-340E-435F-90EF-C8FBE17971CC}"/>
+                <a16:creationId xmlns:a16="http://schemas.microsoft.com/office/drawing/2014/main" xmlns="" id="{8FAF8E07-340E-435F-90EF-C8FBE17971CC}"/>
               </a:ext>
             </a:extLst>
           </p:cNvPr>
@@ -3681,7 +3723,7 @@
           <p:cNvPr id="1038" name="Picture 14">
             <a:extLst>
               <a:ext uri="{FF2B5EF4-FFF2-40B4-BE49-F238E27FC236}">
-                <a16:creationId xmlns:a16="http://schemas.microsoft.com/office/drawing/2014/main" id="{DD2B7F22-63AA-4687-9CD3-FAE4E05FC3B2}"/>
+                <a16:creationId xmlns:a16="http://schemas.microsoft.com/office/drawing/2014/main" xmlns="" id="{DD2B7F22-63AA-4687-9CD3-FAE4E05FC3B2}"/>
               </a:ext>
             </a:extLst>
           </p:cNvPr>
@@ -3728,7 +3770,7 @@
           <p:cNvPr id="1040" name="Picture 16" descr="Emirhan">
             <a:extLst>
               <a:ext uri="{FF2B5EF4-FFF2-40B4-BE49-F238E27FC236}">
-                <a16:creationId xmlns:a16="http://schemas.microsoft.com/office/drawing/2014/main" id="{832D350B-328E-4FB8-9953-8F44CF46EC84}"/>
+                <a16:creationId xmlns:a16="http://schemas.microsoft.com/office/drawing/2014/main" xmlns="" id="{832D350B-328E-4FB8-9953-8F44CF46EC84}"/>
               </a:ext>
             </a:extLst>
           </p:cNvPr>
@@ -3738,7 +3780,7 @@
           <p:nvPr/>
         </p:nvPicPr>
         <p:blipFill>
-          <a:blip r:embed="rId8">
+          <a:blip r:embed="rId8" cstate="print">
             <a:extLst>
               <a:ext uri="{28A0092B-C50C-407E-A947-70E740481C1C}">
                 <a14:useLocalDpi xmlns:a14="http://schemas.microsoft.com/office/drawing/2010/main" val="0"/>
@@ -3775,7 +3817,7 @@
           <p:cNvPr id="1042" name="Picture 18" descr="Halit Özsoy">
             <a:extLst>
               <a:ext uri="{FF2B5EF4-FFF2-40B4-BE49-F238E27FC236}">
-                <a16:creationId xmlns:a16="http://schemas.microsoft.com/office/drawing/2014/main" id="{2DDFD71C-F8ED-4254-9291-3B2225E39A10}"/>
+                <a16:creationId xmlns:a16="http://schemas.microsoft.com/office/drawing/2014/main" xmlns="" id="{2DDFD71C-F8ED-4254-9291-3B2225E39A10}"/>
               </a:ext>
             </a:extLst>
           </p:cNvPr>
@@ -3822,7 +3864,7 @@
           <p:cNvPr id="5" name="Picture 4">
             <a:extLst>
               <a:ext uri="{FF2B5EF4-FFF2-40B4-BE49-F238E27FC236}">
-                <a16:creationId xmlns:a16="http://schemas.microsoft.com/office/drawing/2014/main" id="{F424119E-F322-47D7-9F0B-A43912F49BBC}"/>
+                <a16:creationId xmlns:a16="http://schemas.microsoft.com/office/drawing/2014/main" xmlns="" id="{F424119E-F322-47D7-9F0B-A43912F49BBC}"/>
               </a:ext>
             </a:extLst>
           </p:cNvPr>
@@ -3832,7 +3874,7 @@
           <p:nvPr/>
         </p:nvPicPr>
         <p:blipFill>
-          <a:blip r:embed="rId10">
+          <a:blip r:embed="rId10" cstate="print">
             <a:extLst>
               <a:ext uri="{28A0092B-C50C-407E-A947-70E740481C1C}">
                 <a14:useLocalDpi xmlns:a14="http://schemas.microsoft.com/office/drawing/2010/main" val="0"/>
@@ -3858,7 +3900,7 @@
           <p:cNvPr id="6" name="TextBox 5">
             <a:extLst>
               <a:ext uri="{FF2B5EF4-FFF2-40B4-BE49-F238E27FC236}">
-                <a16:creationId xmlns:a16="http://schemas.microsoft.com/office/drawing/2014/main" id="{35DF998D-DCF4-4957-89BC-5F80B303CDBD}"/>
+                <a16:creationId xmlns:a16="http://schemas.microsoft.com/office/drawing/2014/main" xmlns="" id="{35DF998D-DCF4-4957-89BC-5F80B303CDBD}"/>
               </a:ext>
             </a:extLst>
           </p:cNvPr>
@@ -3894,7 +3936,7 @@
           <p:cNvPr id="7" name="TextBox 6">
             <a:extLst>
               <a:ext uri="{FF2B5EF4-FFF2-40B4-BE49-F238E27FC236}">
-                <a16:creationId xmlns:a16="http://schemas.microsoft.com/office/drawing/2014/main" id="{1F8081EE-D997-405E-B561-93DF509B9CC9}"/>
+                <a16:creationId xmlns:a16="http://schemas.microsoft.com/office/drawing/2014/main" xmlns="" id="{1F8081EE-D997-405E-B561-93DF509B9CC9}"/>
               </a:ext>
             </a:extLst>
           </p:cNvPr>
@@ -3930,7 +3972,7 @@
           <p:cNvPr id="17" name="TextBox 16">
             <a:extLst>
               <a:ext uri="{FF2B5EF4-FFF2-40B4-BE49-F238E27FC236}">
-                <a16:creationId xmlns:a16="http://schemas.microsoft.com/office/drawing/2014/main" id="{69C9F1CF-10C4-4BE3-A5A7-C3B5FF5AE92A}"/>
+                <a16:creationId xmlns:a16="http://schemas.microsoft.com/office/drawing/2014/main" xmlns="" id="{69C9F1CF-10C4-4BE3-A5A7-C3B5FF5AE92A}"/>
               </a:ext>
             </a:extLst>
           </p:cNvPr>
@@ -3965,7 +4007,7 @@
           <p:cNvPr id="18" name="TextBox 17">
             <a:extLst>
               <a:ext uri="{FF2B5EF4-FFF2-40B4-BE49-F238E27FC236}">
-                <a16:creationId xmlns:a16="http://schemas.microsoft.com/office/drawing/2014/main" id="{50945807-6A56-4C82-9A3E-7D160CD830E6}"/>
+                <a16:creationId xmlns:a16="http://schemas.microsoft.com/office/drawing/2014/main" xmlns="" id="{50945807-6A56-4C82-9A3E-7D160CD830E6}"/>
               </a:ext>
             </a:extLst>
           </p:cNvPr>
@@ -4000,7 +4042,7 @@
           <p:cNvPr id="19" name="TextBox 18">
             <a:extLst>
               <a:ext uri="{FF2B5EF4-FFF2-40B4-BE49-F238E27FC236}">
-                <a16:creationId xmlns:a16="http://schemas.microsoft.com/office/drawing/2014/main" id="{56963624-E3A9-4BE5-9605-37D5D437EDCB}"/>
+                <a16:creationId xmlns:a16="http://schemas.microsoft.com/office/drawing/2014/main" xmlns="" id="{56963624-E3A9-4BE5-9605-37D5D437EDCB}"/>
               </a:ext>
             </a:extLst>
           </p:cNvPr>
@@ -4035,7 +4077,7 @@
           <p:cNvPr id="20" name="TextBox 19">
             <a:extLst>
               <a:ext uri="{FF2B5EF4-FFF2-40B4-BE49-F238E27FC236}">
-                <a16:creationId xmlns:a16="http://schemas.microsoft.com/office/drawing/2014/main" id="{9F7757FA-56AE-4363-88D5-E63523A3214B}"/>
+                <a16:creationId xmlns:a16="http://schemas.microsoft.com/office/drawing/2014/main" xmlns="" id="{9F7757FA-56AE-4363-88D5-E63523A3214B}"/>
               </a:ext>
             </a:extLst>
           </p:cNvPr>
@@ -4070,7 +4112,7 @@
           <p:cNvPr id="21" name="TextBox 20">
             <a:extLst>
               <a:ext uri="{FF2B5EF4-FFF2-40B4-BE49-F238E27FC236}">
-                <a16:creationId xmlns:a16="http://schemas.microsoft.com/office/drawing/2014/main" id="{017501B6-3ED2-442F-B7BE-9DD3E8F35DC0}"/>
+                <a16:creationId xmlns:a16="http://schemas.microsoft.com/office/drawing/2014/main" xmlns="" id="{017501B6-3ED2-442F-B7BE-9DD3E8F35DC0}"/>
               </a:ext>
             </a:extLst>
           </p:cNvPr>
@@ -4106,7 +4148,7 @@
           <p:cNvPr id="23" name="TextBox 22">
             <a:extLst>
               <a:ext uri="{FF2B5EF4-FFF2-40B4-BE49-F238E27FC236}">
-                <a16:creationId xmlns:a16="http://schemas.microsoft.com/office/drawing/2014/main" id="{716C76EB-AB29-4E93-9A23-970CBFC9A9A7}"/>
+                <a16:creationId xmlns:a16="http://schemas.microsoft.com/office/drawing/2014/main" xmlns="" id="{716C76EB-AB29-4E93-9A23-970CBFC9A9A7}"/>
               </a:ext>
             </a:extLst>
           </p:cNvPr>
@@ -4142,7 +4184,7 @@
           <p:cNvPr id="24" name="TextBox 23">
             <a:extLst>
               <a:ext uri="{FF2B5EF4-FFF2-40B4-BE49-F238E27FC236}">
-                <a16:creationId xmlns:a16="http://schemas.microsoft.com/office/drawing/2014/main" id="{738372B1-1EE7-44A9-B5D8-B68323F8888A}"/>
+                <a16:creationId xmlns:a16="http://schemas.microsoft.com/office/drawing/2014/main" xmlns="" id="{738372B1-1EE7-44A9-B5D8-B68323F8888A}"/>
               </a:ext>
             </a:extLst>
           </p:cNvPr>
@@ -4183,6 +4225,13 @@
   <p:clrMapOvr>
     <a:masterClrMapping/>
   </p:clrMapOvr>
+  <p:timing>
+    <p:tnLst>
+      <p:par>
+        <p:cTn id="1" dur="indefinite" restart="never" nodeType="tmRoot"/>
+      </p:par>
+    </p:tnLst>
+  </p:timing>
 </p:sld>
 </file>
 
@@ -4208,7 +4257,7 @@
           <p:cNvPr id="2" name="Title 1">
             <a:extLst>
               <a:ext uri="{FF2B5EF4-FFF2-40B4-BE49-F238E27FC236}">
-                <a16:creationId xmlns:a16="http://schemas.microsoft.com/office/drawing/2014/main" id="{775A3BD7-6CFF-473F-9BF0-BB0FBA7DBEA0}"/>
+                <a16:creationId xmlns:a16="http://schemas.microsoft.com/office/drawing/2014/main" xmlns="" id="{775A3BD7-6CFF-473F-9BF0-BB0FBA7DBEA0}"/>
               </a:ext>
             </a:extLst>
           </p:cNvPr>
@@ -4236,7 +4285,7 @@
           <p:cNvPr id="3" name="Content Placeholder 2">
             <a:extLst>
               <a:ext uri="{FF2B5EF4-FFF2-40B4-BE49-F238E27FC236}">
-                <a16:creationId xmlns:a16="http://schemas.microsoft.com/office/drawing/2014/main" id="{BFC71645-79E7-4141-8D63-106BDF55CC4C}"/>
+                <a16:creationId xmlns:a16="http://schemas.microsoft.com/office/drawing/2014/main" xmlns="" id="{BFC71645-79E7-4141-8D63-106BDF55CC4C}"/>
               </a:ext>
             </a:extLst>
           </p:cNvPr>
@@ -4303,6 +4352,13 @@
   <p:clrMapOvr>
     <a:masterClrMapping/>
   </p:clrMapOvr>
+  <p:timing>
+    <p:tnLst>
+      <p:par>
+        <p:cTn id="1" dur="indefinite" restart="never" nodeType="tmRoot"/>
+      </p:par>
+    </p:tnLst>
+  </p:timing>
 </p:sld>
 </file>
 
@@ -4328,7 +4384,7 @@
           <p:cNvPr id="2" name="Title 1">
             <a:extLst>
               <a:ext uri="{FF2B5EF4-FFF2-40B4-BE49-F238E27FC236}">
-                <a16:creationId xmlns:a16="http://schemas.microsoft.com/office/drawing/2014/main" id="{6AE895BF-BB5A-48C4-B7E2-30ADB99DA0BF}"/>
+                <a16:creationId xmlns:a16="http://schemas.microsoft.com/office/drawing/2014/main" xmlns="" id="{6AE895BF-BB5A-48C4-B7E2-30ADB99DA0BF}"/>
               </a:ext>
             </a:extLst>
           </p:cNvPr>
@@ -4356,7 +4412,7 @@
           <p:cNvPr id="3" name="Content Placeholder 2">
             <a:extLst>
               <a:ext uri="{FF2B5EF4-FFF2-40B4-BE49-F238E27FC236}">
-                <a16:creationId xmlns:a16="http://schemas.microsoft.com/office/drawing/2014/main" id="{580382F4-635B-4257-990D-8EF35377CCAE}"/>
+                <a16:creationId xmlns:a16="http://schemas.microsoft.com/office/drawing/2014/main" xmlns="" id="{580382F4-635B-4257-990D-8EF35377CCAE}"/>
               </a:ext>
             </a:extLst>
           </p:cNvPr>
@@ -4406,6 +4462,13 @@
   <p:clrMapOvr>
     <a:masterClrMapping/>
   </p:clrMapOvr>
+  <p:timing>
+    <p:tnLst>
+      <p:par>
+        <p:cTn id="1" dur="indefinite" restart="never" nodeType="tmRoot"/>
+      </p:par>
+    </p:tnLst>
+  </p:timing>
 </p:sld>
 </file>
 
@@ -4431,7 +4494,7 @@
           <p:cNvPr id="2" name="Title 1">
             <a:extLst>
               <a:ext uri="{FF2B5EF4-FFF2-40B4-BE49-F238E27FC236}">
-                <a16:creationId xmlns:a16="http://schemas.microsoft.com/office/drawing/2014/main" id="{754EBD67-DBE8-4F00-8EBE-0892E6630961}"/>
+                <a16:creationId xmlns:a16="http://schemas.microsoft.com/office/drawing/2014/main" xmlns="" id="{754EBD67-DBE8-4F00-8EBE-0892E6630961}"/>
               </a:ext>
             </a:extLst>
           </p:cNvPr>
@@ -4459,7 +4522,7 @@
           <p:cNvPr id="3" name="Content Placeholder 2">
             <a:extLst>
               <a:ext uri="{FF2B5EF4-FFF2-40B4-BE49-F238E27FC236}">
-                <a16:creationId xmlns:a16="http://schemas.microsoft.com/office/drawing/2014/main" id="{D72A9393-54C9-4232-94BC-E1C08E36CB3D}"/>
+                <a16:creationId xmlns:a16="http://schemas.microsoft.com/office/drawing/2014/main" xmlns="" id="{D72A9393-54C9-4232-94BC-E1C08E36CB3D}"/>
               </a:ext>
             </a:extLst>
           </p:cNvPr>
@@ -4509,6 +4572,13 @@
   <p:clrMapOvr>
     <a:masterClrMapping/>
   </p:clrMapOvr>
+  <p:timing>
+    <p:tnLst>
+      <p:par>
+        <p:cTn id="1" dur="indefinite" restart="never" nodeType="tmRoot"/>
+      </p:par>
+    </p:tnLst>
+  </p:timing>
 </p:sld>
 </file>
 
@@ -4534,7 +4604,7 @@
           <p:cNvPr id="2" name="Title 1">
             <a:extLst>
               <a:ext uri="{FF2B5EF4-FFF2-40B4-BE49-F238E27FC236}">
-                <a16:creationId xmlns:a16="http://schemas.microsoft.com/office/drawing/2014/main" id="{843644C0-65C6-4A6E-89D1-ACF53751ACE0}"/>
+                <a16:creationId xmlns:a16="http://schemas.microsoft.com/office/drawing/2014/main" xmlns="" id="{843644C0-65C6-4A6E-89D1-ACF53751ACE0}"/>
               </a:ext>
             </a:extLst>
           </p:cNvPr>
@@ -4581,6 +4651,13 @@
   <p:clrMapOvr>
     <a:masterClrMapping/>
   </p:clrMapOvr>
+  <p:timing>
+    <p:tnLst>
+      <p:par>
+        <p:cTn id="1" dur="indefinite" restart="never" nodeType="tmRoot"/>
+      </p:par>
+    </p:tnLst>
+  </p:timing>
 </p:sld>
 </file>
 
